--- a/msa_mh8111_as1_kaggle_project/Titianic.pptx
+++ b/msa_mh8111_as1_kaggle_project/Titianic.pptx
@@ -275,7 +275,7 @@
           <a:p>
             <a:fld id="{B7EBC725-D3D1-6345-867E-54E342B75679}" type="datetimeFigureOut">
               <a:rPr lang="en-US" smtClean="0"/>
-              <a:t>8/18/19</a:t>
+              <a:t>8/20/19</a:t>
             </a:fld>
             <a:endParaRPr lang="en-US"/>
           </a:p>
@@ -475,7 +475,7 @@
           <a:p>
             <a:fld id="{B7EBC725-D3D1-6345-867E-54E342B75679}" type="datetimeFigureOut">
               <a:rPr lang="en-US" smtClean="0"/>
-              <a:t>8/18/19</a:t>
+              <a:t>8/20/19</a:t>
             </a:fld>
             <a:endParaRPr lang="en-US"/>
           </a:p>
@@ -685,7 +685,7 @@
           <a:p>
             <a:fld id="{B7EBC725-D3D1-6345-867E-54E342B75679}" type="datetimeFigureOut">
               <a:rPr lang="en-US" smtClean="0"/>
-              <a:t>8/18/19</a:t>
+              <a:t>8/20/19</a:t>
             </a:fld>
             <a:endParaRPr lang="en-US"/>
           </a:p>
@@ -885,7 +885,7 @@
           <a:p>
             <a:fld id="{B7EBC725-D3D1-6345-867E-54E342B75679}" type="datetimeFigureOut">
               <a:rPr lang="en-US" smtClean="0"/>
-              <a:t>8/18/19</a:t>
+              <a:t>8/20/19</a:t>
             </a:fld>
             <a:endParaRPr lang="en-US"/>
           </a:p>
@@ -1161,7 +1161,7 @@
           <a:p>
             <a:fld id="{B7EBC725-D3D1-6345-867E-54E342B75679}" type="datetimeFigureOut">
               <a:rPr lang="en-US" smtClean="0"/>
-              <a:t>8/18/19</a:t>
+              <a:t>8/20/19</a:t>
             </a:fld>
             <a:endParaRPr lang="en-US"/>
           </a:p>
@@ -1429,7 +1429,7 @@
           <a:p>
             <a:fld id="{B7EBC725-D3D1-6345-867E-54E342B75679}" type="datetimeFigureOut">
               <a:rPr lang="en-US" smtClean="0"/>
-              <a:t>8/18/19</a:t>
+              <a:t>8/20/19</a:t>
             </a:fld>
             <a:endParaRPr lang="en-US"/>
           </a:p>
@@ -1844,7 +1844,7 @@
           <a:p>
             <a:fld id="{B7EBC725-D3D1-6345-867E-54E342B75679}" type="datetimeFigureOut">
               <a:rPr lang="en-US" smtClean="0"/>
-              <a:t>8/18/19</a:t>
+              <a:t>8/20/19</a:t>
             </a:fld>
             <a:endParaRPr lang="en-US"/>
           </a:p>
@@ -1986,7 +1986,7 @@
           <a:p>
             <a:fld id="{B7EBC725-D3D1-6345-867E-54E342B75679}" type="datetimeFigureOut">
               <a:rPr lang="en-US" smtClean="0"/>
-              <a:t>8/18/19</a:t>
+              <a:t>8/20/19</a:t>
             </a:fld>
             <a:endParaRPr lang="en-US"/>
           </a:p>
@@ -2099,7 +2099,7 @@
           <a:p>
             <a:fld id="{B7EBC725-D3D1-6345-867E-54E342B75679}" type="datetimeFigureOut">
               <a:rPr lang="en-US" smtClean="0"/>
-              <a:t>8/18/19</a:t>
+              <a:t>8/20/19</a:t>
             </a:fld>
             <a:endParaRPr lang="en-US"/>
           </a:p>
@@ -2412,7 +2412,7 @@
           <a:p>
             <a:fld id="{B7EBC725-D3D1-6345-867E-54E342B75679}" type="datetimeFigureOut">
               <a:rPr lang="en-US" smtClean="0"/>
-              <a:t>8/18/19</a:t>
+              <a:t>8/20/19</a:t>
             </a:fld>
             <a:endParaRPr lang="en-US"/>
           </a:p>
@@ -2701,7 +2701,7 @@
           <a:p>
             <a:fld id="{B7EBC725-D3D1-6345-867E-54E342B75679}" type="datetimeFigureOut">
               <a:rPr lang="en-US" smtClean="0"/>
-              <a:t>8/18/19</a:t>
+              <a:t>8/20/19</a:t>
             </a:fld>
             <a:endParaRPr lang="en-US"/>
           </a:p>
@@ -2944,7 +2944,7 @@
           <a:p>
             <a:fld id="{B7EBC725-D3D1-6345-867E-54E342B75679}" type="datetimeFigureOut">
               <a:rPr lang="en-US" smtClean="0"/>
-              <a:t>8/18/19</a:t>
+              <a:t>8/20/19</a:t>
             </a:fld>
             <a:endParaRPr lang="en-US"/>
           </a:p>
@@ -7782,8 +7782,13 @@
           <a:p>
             <a:r>
               <a:rPr lang="en-US" dirty="0"/>
-              <a:t>Fill missing data</a:t>
-            </a:r>
+              <a:t>Fill missing </a:t>
+            </a:r>
+            <a:r>
+              <a:rPr lang="en-US" dirty="0" err="1"/>
+              <a:t>data:Age</a:t>
+            </a:r>
+            <a:endParaRPr lang="en-US" dirty="0"/>
           </a:p>
         </p:txBody>
       </p:sp>
@@ -7816,13 +7821,43 @@
           <a:p>
             <a:r>
               <a:rPr lang="en-US" dirty="0"/>
-              <a:t>Approach 2:</a:t>
-            </a:r>
-          </a:p>
-          <a:p>
-            <a:r>
-              <a:rPr lang="en-US" dirty="0"/>
-              <a:t>Approach 3:</a:t>
+              <a:t>Approach 2: Linear regression with top 5 most correlated features</a:t>
+            </a:r>
+          </a:p>
+          <a:p>
+            <a:pPr lvl="1"/>
+            <a:r>
+              <a:rPr lang="en-US" dirty="0"/>
+              <a:t>R-Squared is about 40%, less than desirable</a:t>
+            </a:r>
+          </a:p>
+          <a:p>
+            <a:pPr lvl="1"/>
+            <a:r>
+              <a:rPr lang="en-US" dirty="0"/>
+              <a:t>Plus there are negative Age value predicted</a:t>
+            </a:r>
+          </a:p>
+          <a:p>
+            <a:pPr lvl="1"/>
+            <a:r>
+              <a:rPr lang="en-US" dirty="0"/>
+              <a:t>Not very confident in this model and eventually giving up the model</a:t>
+            </a:r>
+          </a:p>
+          <a:p>
+            <a:r>
+              <a:rPr lang="en-US" dirty="0"/>
+              <a:t>Approach 3: using Median Value</a:t>
+            </a:r>
+          </a:p>
+          <a:p>
+            <a:endParaRPr lang="en-US" dirty="0"/>
+          </a:p>
+          <a:p>
+            <a:r>
+              <a:rPr lang="en-US" dirty="0"/>
+              <a:t>Categorize </a:t>
             </a:r>
           </a:p>
         </p:txBody>

--- a/msa_mh8111_as1_kaggle_project/Titianic.pptx
+++ b/msa_mh8111_as1_kaggle_project/Titianic.pptx
@@ -7848,7 +7848,19 @@
           <a:p>
             <a:r>
               <a:rPr lang="en-US" dirty="0"/>
-              <a:t>Approach 3: using Median Value</a:t>
+              <a:t>Approach 3: </a:t>
+            </a:r>
+            <a:r>
+              <a:rPr lang="en-US" dirty="0" err="1"/>
+              <a:t>fill.na</a:t>
+            </a:r>
+            <a:r>
+              <a:rPr lang="en-US"/>
+              <a:t> using </a:t>
+            </a:r>
+            <a:r>
+              <a:rPr lang="en-US" dirty="0"/>
+              <a:t>Median Value</a:t>
             </a:r>
           </a:p>
           <a:p>

--- a/msa_mh8111_as1_kaggle_project/Titianic.pptx
+++ b/msa_mh8111_as1_kaggle_project/Titianic.pptx
@@ -275,7 +275,7 @@
           <a:p>
             <a:fld id="{B7EBC725-D3D1-6345-867E-54E342B75679}" type="datetimeFigureOut">
               <a:rPr lang="en-US" smtClean="0"/>
-              <a:t>8/20/19</a:t>
+              <a:t>8/21/19</a:t>
             </a:fld>
             <a:endParaRPr lang="en-US"/>
           </a:p>
@@ -475,7 +475,7 @@
           <a:p>
             <a:fld id="{B7EBC725-D3D1-6345-867E-54E342B75679}" type="datetimeFigureOut">
               <a:rPr lang="en-US" smtClean="0"/>
-              <a:t>8/20/19</a:t>
+              <a:t>8/21/19</a:t>
             </a:fld>
             <a:endParaRPr lang="en-US"/>
           </a:p>
@@ -685,7 +685,7 @@
           <a:p>
             <a:fld id="{B7EBC725-D3D1-6345-867E-54E342B75679}" type="datetimeFigureOut">
               <a:rPr lang="en-US" smtClean="0"/>
-              <a:t>8/20/19</a:t>
+              <a:t>8/21/19</a:t>
             </a:fld>
             <a:endParaRPr lang="en-US"/>
           </a:p>
@@ -885,7 +885,7 @@
           <a:p>
             <a:fld id="{B7EBC725-D3D1-6345-867E-54E342B75679}" type="datetimeFigureOut">
               <a:rPr lang="en-US" smtClean="0"/>
-              <a:t>8/20/19</a:t>
+              <a:t>8/21/19</a:t>
             </a:fld>
             <a:endParaRPr lang="en-US"/>
           </a:p>
@@ -1161,7 +1161,7 @@
           <a:p>
             <a:fld id="{B7EBC725-D3D1-6345-867E-54E342B75679}" type="datetimeFigureOut">
               <a:rPr lang="en-US" smtClean="0"/>
-              <a:t>8/20/19</a:t>
+              <a:t>8/21/19</a:t>
             </a:fld>
             <a:endParaRPr lang="en-US"/>
           </a:p>
@@ -1429,7 +1429,7 @@
           <a:p>
             <a:fld id="{B7EBC725-D3D1-6345-867E-54E342B75679}" type="datetimeFigureOut">
               <a:rPr lang="en-US" smtClean="0"/>
-              <a:t>8/20/19</a:t>
+              <a:t>8/21/19</a:t>
             </a:fld>
             <a:endParaRPr lang="en-US"/>
           </a:p>
@@ -1844,7 +1844,7 @@
           <a:p>
             <a:fld id="{B7EBC725-D3D1-6345-867E-54E342B75679}" type="datetimeFigureOut">
               <a:rPr lang="en-US" smtClean="0"/>
-              <a:t>8/20/19</a:t>
+              <a:t>8/21/19</a:t>
             </a:fld>
             <a:endParaRPr lang="en-US"/>
           </a:p>
@@ -1986,7 +1986,7 @@
           <a:p>
             <a:fld id="{B7EBC725-D3D1-6345-867E-54E342B75679}" type="datetimeFigureOut">
               <a:rPr lang="en-US" smtClean="0"/>
-              <a:t>8/20/19</a:t>
+              <a:t>8/21/19</a:t>
             </a:fld>
             <a:endParaRPr lang="en-US"/>
           </a:p>
@@ -2099,7 +2099,7 @@
           <a:p>
             <a:fld id="{B7EBC725-D3D1-6345-867E-54E342B75679}" type="datetimeFigureOut">
               <a:rPr lang="en-US" smtClean="0"/>
-              <a:t>8/20/19</a:t>
+              <a:t>8/21/19</a:t>
             </a:fld>
             <a:endParaRPr lang="en-US"/>
           </a:p>
@@ -2412,7 +2412,7 @@
           <a:p>
             <a:fld id="{B7EBC725-D3D1-6345-867E-54E342B75679}" type="datetimeFigureOut">
               <a:rPr lang="en-US" smtClean="0"/>
-              <a:t>8/20/19</a:t>
+              <a:t>8/21/19</a:t>
             </a:fld>
             <a:endParaRPr lang="en-US"/>
           </a:p>
@@ -2701,7 +2701,7 @@
           <a:p>
             <a:fld id="{B7EBC725-D3D1-6345-867E-54E342B75679}" type="datetimeFigureOut">
               <a:rPr lang="en-US" smtClean="0"/>
-              <a:t>8/20/19</a:t>
+              <a:t>8/21/19</a:t>
             </a:fld>
             <a:endParaRPr lang="en-US"/>
           </a:p>
@@ -2944,7 +2944,7 @@
           <a:p>
             <a:fld id="{B7EBC725-D3D1-6345-867E-54E342B75679}" type="datetimeFigureOut">
               <a:rPr lang="en-US" smtClean="0"/>
-              <a:t>8/20/19</a:t>
+              <a:t>8/21/19</a:t>
             </a:fld>
             <a:endParaRPr lang="en-US"/>
           </a:p>
@@ -6906,7 +6906,7 @@
           <a:p>
             <a:r>
               <a:rPr lang="en-US" dirty="0"/>
-              <a:t>Embarkation </a:t>
+              <a:t>Embarked </a:t>
             </a:r>
             <a:r>
               <a:rPr lang="en-US" dirty="0">
@@ -7855,12 +7855,8 @@
               <a:t>fill.na</a:t>
             </a:r>
             <a:r>
-              <a:rPr lang="en-US"/>
-              <a:t> using </a:t>
-            </a:r>
-            <a:r>
-              <a:rPr lang="en-US" dirty="0"/>
-              <a:t>Median Value</a:t>
+              <a:rPr lang="en-US" dirty="0"/>
+              <a:t> using Median Value</a:t>
             </a:r>
           </a:p>
           <a:p>
